--- a/445presentation.pptx
+++ b/445presentation.pptx
@@ -12,9 +12,10 @@
     <p:sldId id="260" r:id="rId6"/>
     <p:sldId id="261" r:id="rId7"/>
     <p:sldId id="262" r:id="rId8"/>
-    <p:sldId id="263" r:id="rId9"/>
-    <p:sldId id="264" r:id="rId10"/>
-    <p:sldId id="265" r:id="rId11"/>
+    <p:sldId id="266" r:id="rId9"/>
+    <p:sldId id="263" r:id="rId10"/>
+    <p:sldId id="264" r:id="rId11"/>
+    <p:sldId id="265" r:id="rId12"/>
   </p:sldIdLst>
   <p:sldSz cx="12192000" cy="6858000"/>
   <p:notesSz cx="6858000" cy="9144000"/>
@@ -113,6 +114,11 @@
       </a:defRPr>
     </a:lvl9pPr>
   </p:defaultTextStyle>
+  <p:extLst>
+    <p:ext uri="{EFAFB233-063F-42B5-8137-9DF3F51BA10A}">
+      <p15:sldGuideLst xmlns:p15="http://schemas.microsoft.com/office/powerpoint/2012/main"/>
+    </p:ext>
+  </p:extLst>
 </p:presentation>
 </file>
 
@@ -3457,6 +3463,96 @@
           <a:bodyPr/>
           <a:lstStyle/>
           <a:p>
+            <a:endParaRPr lang="en-US"/>
+          </a:p>
+        </p:txBody>
+      </p:sp>
+      <p:pic>
+        <p:nvPicPr>
+          <p:cNvPr id="5" name="Content Placeholder 4">
+            <a:extLst>
+              <a:ext uri="{FF2B5EF4-FFF2-40B4-BE49-F238E27FC236}">
+                <a16:creationId xmlns:a16="http://schemas.microsoft.com/office/drawing/2014/main" id="{1A4870FD-0D55-4458-B1C7-B785DAD8D6FB}"/>
+              </a:ext>
+            </a:extLst>
+          </p:cNvPr>
+          <p:cNvPicPr>
+            <a:picLocks noGrp="1" noChangeAspect="1"/>
+          </p:cNvPicPr>
+          <p:nvPr>
+            <p:ph idx="1"/>
+          </p:nvPr>
+        </p:nvPicPr>
+        <p:blipFill>
+          <a:blip r:embed="rId2">
+            <a:extLst>
+              <a:ext uri="{28A0092B-C50C-407E-A947-70E740481C1C}">
+                <a14:useLocalDpi xmlns:a14="http://schemas.microsoft.com/office/drawing/2010/main" val="0"/>
+              </a:ext>
+            </a:extLst>
+          </a:blip>
+          <a:stretch>
+            <a:fillRect/>
+          </a:stretch>
+        </p:blipFill>
+        <p:spPr>
+          <a:xfrm>
+            <a:off x="3215939" y="-69542"/>
+            <a:ext cx="6260599" cy="7583845"/>
+          </a:xfrm>
+        </p:spPr>
+      </p:pic>
+    </p:spTree>
+    <p:extLst>
+      <p:ext uri="{BB962C8B-B14F-4D97-AF65-F5344CB8AC3E}">
+        <p14:creationId xmlns:p14="http://schemas.microsoft.com/office/powerpoint/2010/main" val="3024464933"/>
+      </p:ext>
+    </p:extLst>
+  </p:cSld>
+  <p:clrMapOvr>
+    <a:masterClrMapping/>
+  </p:clrMapOvr>
+</p:sld>
+</file>
+
+<file path=ppt/slides/slide11.xml><?xml version="1.0" encoding="utf-8"?>
+<p:sld xmlns:a="http://schemas.openxmlformats.org/drawingml/2006/main" xmlns:r="http://schemas.openxmlformats.org/officeDocument/2006/relationships" xmlns:p="http://schemas.openxmlformats.org/presentationml/2006/main">
+  <p:cSld>
+    <p:spTree>
+      <p:nvGrpSpPr>
+        <p:cNvPr id="1" name=""/>
+        <p:cNvGrpSpPr/>
+        <p:nvPr/>
+      </p:nvGrpSpPr>
+      <p:grpSpPr>
+        <a:xfrm>
+          <a:off x="0" y="0"/>
+          <a:ext cx="0" cy="0"/>
+          <a:chOff x="0" y="0"/>
+          <a:chExt cx="0" cy="0"/>
+        </a:xfrm>
+      </p:grpSpPr>
+      <p:sp>
+        <p:nvSpPr>
+          <p:cNvPr id="2" name="Title 1">
+            <a:extLst>
+              <a:ext uri="{FF2B5EF4-FFF2-40B4-BE49-F238E27FC236}">
+                <a16:creationId xmlns:a16="http://schemas.microsoft.com/office/drawing/2014/main" id="{4720E41D-1A4B-4167-B01B-0659F8BE6855}"/>
+              </a:ext>
+            </a:extLst>
+          </p:cNvPr>
+          <p:cNvSpPr>
+            <a:spLocks noGrp="1"/>
+          </p:cNvSpPr>
+          <p:nvPr>
+            <p:ph type="title"/>
+          </p:nvPr>
+        </p:nvSpPr>
+        <p:spPr/>
+        <p:txBody>
+          <a:bodyPr/>
+          <a:lstStyle/>
+          <a:p>
             <a:r>
               <a:rPr lang="en-US" dirty="0"/>
               <a:t>Analysis</a:t>
@@ -3464,8 +3560,8 @@
           </a:p>
         </p:txBody>
       </p:sp>
-      <mc:AlternateContent xmlns:mc="http://schemas.openxmlformats.org/markup-compatibility/2006">
-        <mc:Choice xmlns:a14="http://schemas.microsoft.com/office/drawing/2010/main" Requires="a14">
+      <mc:AlternateContent xmlns:mc="http://schemas.openxmlformats.org/markup-compatibility/2006" xmlns:a14="http://schemas.microsoft.com/office/drawing/2010/main">
+        <mc:Choice Requires="a14">
           <p:sp>
             <p:nvSpPr>
               <p:cNvPr id="3" name="Content Placeholder 2">
@@ -3521,7 +3617,7 @@
             </p:txBody>
           </p:sp>
         </mc:Choice>
-        <mc:Fallback>
+        <mc:Fallback xmlns="">
           <p:sp>
             <p:nvSpPr>
               <p:cNvPr id="3" name="Content Placeholder 2">
@@ -3744,8 +3840,8 @@
           </a:p>
         </p:txBody>
       </p:sp>
-      <mc:AlternateContent xmlns:mc="http://schemas.openxmlformats.org/markup-compatibility/2006">
-        <mc:Choice xmlns:a14="http://schemas.microsoft.com/office/drawing/2010/main" Requires="a14">
+      <mc:AlternateContent xmlns:mc="http://schemas.openxmlformats.org/markup-compatibility/2006" xmlns:a14="http://schemas.microsoft.com/office/drawing/2010/main">
+        <mc:Choice Requires="a14">
           <p:sp>
             <p:nvSpPr>
               <p:cNvPr id="3" name="Content Placeholder 2">
@@ -3878,7 +3974,7 @@
             </p:txBody>
           </p:sp>
         </mc:Choice>
-        <mc:Fallback>
+        <mc:Fallback xmlns="">
           <p:sp>
             <p:nvSpPr>
               <p:cNvPr id="3" name="Content Placeholder 2">
@@ -3982,8 +4078,8 @@
           </a:p>
         </p:txBody>
       </p:sp>
-      <mc:AlternateContent xmlns:mc="http://schemas.openxmlformats.org/markup-compatibility/2006">
-        <mc:Choice xmlns:a14="http://schemas.microsoft.com/office/drawing/2010/main" Requires="a14">
+      <mc:AlternateContent xmlns:mc="http://schemas.openxmlformats.org/markup-compatibility/2006" xmlns:a14="http://schemas.microsoft.com/office/drawing/2010/main">
+        <mc:Choice Requires="a14">
           <p:sp>
             <p:nvSpPr>
               <p:cNvPr id="3" name="Content Placeholder 2">
@@ -4216,7 +4312,7 @@
             </p:txBody>
           </p:sp>
         </mc:Choice>
-        <mc:Fallback>
+        <mc:Fallback xmlns="">
           <p:sp>
             <p:nvSpPr>
               <p:cNvPr id="3" name="Content Placeholder 2">
@@ -4314,8 +4410,8 @@
           </a:p>
         </p:txBody>
       </p:sp>
-      <mc:AlternateContent xmlns:mc="http://schemas.openxmlformats.org/markup-compatibility/2006">
-        <mc:Choice xmlns:a14="http://schemas.microsoft.com/office/drawing/2010/main" Requires="a14">
+      <mc:AlternateContent xmlns:mc="http://schemas.openxmlformats.org/markup-compatibility/2006" xmlns:a14="http://schemas.microsoft.com/office/drawing/2010/main">
+        <mc:Choice Requires="a14">
           <p:sp>
             <p:nvSpPr>
               <p:cNvPr id="3" name="Content Placeholder 2">
@@ -4964,7 +5060,7 @@
             </p:txBody>
           </p:sp>
         </mc:Choice>
-        <mc:Fallback>
+        <mc:Fallback xmlns="">
           <p:sp>
             <p:nvSpPr>
               <p:cNvPr id="3" name="Content Placeholder 2">
@@ -5062,8 +5158,8 @@
           </a:p>
         </p:txBody>
       </p:sp>
-      <mc:AlternateContent xmlns:mc="http://schemas.openxmlformats.org/markup-compatibility/2006">
-        <mc:Choice xmlns:a14="http://schemas.microsoft.com/office/drawing/2010/main" Requires="a14">
+      <mc:AlternateContent xmlns:mc="http://schemas.openxmlformats.org/markup-compatibility/2006" xmlns:a14="http://schemas.microsoft.com/office/drawing/2010/main">
+        <mc:Choice Requires="a14">
           <p:sp>
             <p:nvSpPr>
               <p:cNvPr id="3" name="Content Placeholder 2">
@@ -5281,7 +5377,7 @@
                     <m:sSubSup>
                       <m:sSubSupPr>
                         <m:ctrlPr>
-                          <a:rPr lang="en-US" b="0" i="0" smtClean="0">
+                          <a:rPr lang="en-US" b="0" i="1" smtClean="0">
                             <a:latin typeface="Cambria Math" panose="02040503050406030204" pitchFamily="18" charset="0"/>
                           </a:rPr>
                         </m:ctrlPr>
@@ -5427,7 +5523,7 @@
             </p:txBody>
           </p:sp>
         </mc:Choice>
-        <mc:Fallback>
+        <mc:Fallback xmlns="">
           <p:sp>
             <p:nvSpPr>
               <p:cNvPr id="3" name="Content Placeholder 2">
@@ -5525,8 +5621,8 @@
           </a:p>
         </p:txBody>
       </p:sp>
-      <mc:AlternateContent xmlns:mc="http://schemas.openxmlformats.org/markup-compatibility/2006">
-        <mc:Choice xmlns:a14="http://schemas.microsoft.com/office/drawing/2010/main" Requires="a14">
+      <mc:AlternateContent xmlns:mc="http://schemas.openxmlformats.org/markup-compatibility/2006" xmlns:a14="http://schemas.microsoft.com/office/drawing/2010/main">
+        <mc:Choice Requires="a14">
           <p:sp>
             <p:nvSpPr>
               <p:cNvPr id="3" name="Content Placeholder 2">
@@ -7251,7 +7347,7 @@
             </p:txBody>
           </p:sp>
         </mc:Choice>
-        <mc:Fallback>
+        <mc:Fallback xmlns="">
           <p:sp>
             <p:nvSpPr>
               <p:cNvPr id="3" name="Content Placeholder 2">
@@ -7330,7 +7426,7 @@
           <p:cNvPr id="2" name="Title 1">
             <a:extLst>
               <a:ext uri="{FF2B5EF4-FFF2-40B4-BE49-F238E27FC236}">
-                <a16:creationId xmlns:a16="http://schemas.microsoft.com/office/drawing/2014/main" id="{4720E41D-1A4B-4167-B01B-0659F8BE6855}"/>
+                <a16:creationId xmlns:a16="http://schemas.microsoft.com/office/drawing/2014/main" id="{C6F2C17A-3FAE-4C8C-A172-502AE5694A4B}"/>
               </a:ext>
             </a:extLst>
           </p:cNvPr>
@@ -7346,7 +7442,7 @@
           <a:bodyPr/>
           <a:lstStyle/>
           <a:p>
-            <a:endParaRPr lang="en-US" dirty="0"/>
+            <a:endParaRPr lang="en-US"/>
           </a:p>
         </p:txBody>
       </p:sp>
@@ -7355,7 +7451,7 @@
           <p:cNvPr id="5" name="Content Placeholder 4">
             <a:extLst>
               <a:ext uri="{FF2B5EF4-FFF2-40B4-BE49-F238E27FC236}">
-                <a16:creationId xmlns:a16="http://schemas.microsoft.com/office/drawing/2014/main" id="{3600FB0B-6547-4D3D-9AA4-F587FC6D97D8}"/>
+                <a16:creationId xmlns:a16="http://schemas.microsoft.com/office/drawing/2014/main" id="{129E00D8-C56C-40D8-AC5E-B95A4C3AE46B}"/>
               </a:ext>
             </a:extLst>
           </p:cNvPr>
@@ -7380,8 +7476,8 @@
         </p:blipFill>
         <p:spPr>
           <a:xfrm>
-            <a:off x="314633" y="0"/>
-            <a:ext cx="5977953" cy="7241458"/>
+            <a:off x="6279007" y="182178"/>
+            <a:ext cx="4890439" cy="6757057"/>
           </a:xfrm>
         </p:spPr>
       </p:pic>
@@ -7390,7 +7486,7 @@
           <p:cNvPr id="7" name="Picture 6">
             <a:extLst>
               <a:ext uri="{FF2B5EF4-FFF2-40B4-BE49-F238E27FC236}">
-                <a16:creationId xmlns:a16="http://schemas.microsoft.com/office/drawing/2014/main" id="{8D7D4502-71B0-4FC6-9F23-C1C5FD90FBCD}"/>
+                <a16:creationId xmlns:a16="http://schemas.microsoft.com/office/drawing/2014/main" id="{BA00CDB8-7822-41CA-847A-A2A089939A9E}"/>
               </a:ext>
             </a:extLst>
           </p:cNvPr>
@@ -7413,8 +7509,8 @@
         </p:blipFill>
         <p:spPr>
           <a:xfrm>
-            <a:off x="6095999" y="66367"/>
-            <a:ext cx="5977953" cy="7241457"/>
+            <a:off x="578711" y="0"/>
+            <a:ext cx="4715959" cy="6698606"/>
           </a:xfrm>
           <a:prstGeom prst="rect">
             <a:avLst/>
@@ -7424,7 +7520,7 @@
     </p:spTree>
     <p:extLst>
       <p:ext uri="{BB962C8B-B14F-4D97-AF65-F5344CB8AC3E}">
-        <p14:creationId xmlns:p14="http://schemas.microsoft.com/office/powerpoint/2010/main" val="39867744"/>
+        <p14:creationId xmlns:p14="http://schemas.microsoft.com/office/powerpoint/2010/main" val="1445793369"/>
       </p:ext>
     </p:extLst>
   </p:cSld>
@@ -7472,7 +7568,7 @@
           <a:bodyPr/>
           <a:lstStyle/>
           <a:p>
-            <a:endParaRPr lang="en-US"/>
+            <a:endParaRPr lang="en-US" dirty="0"/>
           </a:p>
         </p:txBody>
       </p:sp>
@@ -7481,7 +7577,7 @@
           <p:cNvPr id="5" name="Content Placeholder 4">
             <a:extLst>
               <a:ext uri="{FF2B5EF4-FFF2-40B4-BE49-F238E27FC236}">
-                <a16:creationId xmlns:a16="http://schemas.microsoft.com/office/drawing/2014/main" id="{1A4870FD-0D55-4458-B1C7-B785DAD8D6FB}"/>
+                <a16:creationId xmlns:a16="http://schemas.microsoft.com/office/drawing/2014/main" id="{3600FB0B-6547-4D3D-9AA4-F587FC6D97D8}"/>
               </a:ext>
             </a:extLst>
           </p:cNvPr>
@@ -7506,15 +7602,51 @@
         </p:blipFill>
         <p:spPr>
           <a:xfrm>
-            <a:off x="3215939" y="-69542"/>
-            <a:ext cx="6260599" cy="7583845"/>
+            <a:off x="6214047" y="132735"/>
+            <a:ext cx="5977953" cy="7241458"/>
           </a:xfrm>
+        </p:spPr>
+      </p:pic>
+      <p:pic>
+        <p:nvPicPr>
+          <p:cNvPr id="7" name="Picture 6">
+            <a:extLst>
+              <a:ext uri="{FF2B5EF4-FFF2-40B4-BE49-F238E27FC236}">
+                <a16:creationId xmlns:a16="http://schemas.microsoft.com/office/drawing/2014/main" id="{8D7D4502-71B0-4FC6-9F23-C1C5FD90FBCD}"/>
+              </a:ext>
+            </a:extLst>
+          </p:cNvPr>
+          <p:cNvPicPr>
+            <a:picLocks noChangeAspect="1"/>
+          </p:cNvPicPr>
+          <p:nvPr/>
+        </p:nvPicPr>
+        <p:blipFill>
+          <a:blip r:embed="rId3">
+            <a:extLst>
+              <a:ext uri="{28A0092B-C50C-407E-A947-70E740481C1C}">
+                <a14:useLocalDpi xmlns:a14="http://schemas.microsoft.com/office/drawing/2010/main" val="0"/>
+              </a:ext>
+            </a:extLst>
+          </a:blip>
+          <a:stretch>
+            <a:fillRect/>
+          </a:stretch>
+        </p:blipFill>
+        <p:spPr>
+          <a:xfrm>
+            <a:off x="236094" y="132736"/>
+            <a:ext cx="5977953" cy="7241457"/>
+          </a:xfrm>
+          <a:prstGeom prst="rect">
+            <a:avLst/>
+          </a:prstGeom>
         </p:spPr>
       </p:pic>
     </p:spTree>
     <p:extLst>
       <p:ext uri="{BB962C8B-B14F-4D97-AF65-F5344CB8AC3E}">
-        <p14:creationId xmlns:p14="http://schemas.microsoft.com/office/powerpoint/2010/main" val="3024464933"/>
+        <p14:creationId xmlns:p14="http://schemas.microsoft.com/office/powerpoint/2010/main" val="39867744"/>
       </p:ext>
     </p:extLst>
   </p:cSld>
